--- a/liquid_biopsy_machine_learning.pptx
+++ b/liquid_biopsy_machine_learning.pptx
@@ -22,10 +22,12 @@
     <p:sldId id="273" r:id="rId16"/>
     <p:sldId id="274" r:id="rId17"/>
     <p:sldId id="275" r:id="rId18"/>
-    <p:sldId id="265" r:id="rId19"/>
-    <p:sldId id="266" r:id="rId20"/>
-    <p:sldId id="276" r:id="rId21"/>
-    <p:sldId id="262" r:id="rId22"/>
+    <p:sldId id="278" r:id="rId19"/>
+    <p:sldId id="277" r:id="rId20"/>
+    <p:sldId id="265" r:id="rId21"/>
+    <p:sldId id="266" r:id="rId22"/>
+    <p:sldId id="276" r:id="rId23"/>
+    <p:sldId id="262" r:id="rId24"/>
   </p:sldIdLst>
   <p:sldSz cx="12192000" cy="6858000"/>
   <p:notesSz cx="6858000" cy="9144000"/>
@@ -124,15 +126,127 @@
       </a:defRPr>
     </a:lvl9pPr>
   </p:defaultTextStyle>
+  <p:extLst>
+    <p:ext uri="{EFAFB233-063F-42B5-8137-9DF3F51BA10A}">
+      <p15:sldGuideLst xmlns:p15="http://schemas.microsoft.com/office/powerpoint/2012/main"/>
+    </p:ext>
+  </p:extLst>
 </p:presentation>
 </file>
 
 <file path=ppt/revisionInfo.xml><?xml version="1.0" encoding="utf-8"?>
 <p1510:revInfo xmlns:a="http://schemas.openxmlformats.org/drawingml/2006/main" xmlns:r="http://schemas.openxmlformats.org/officeDocument/2006/relationships" xmlns:p1510="http://schemas.microsoft.com/office/powerpoint/2015/10/main">
   <p1510:revLst>
-    <p1510:client id="{DF7D73CC-F40D-3B47-958A-E8CC0BCCDBF4}" v="19" dt="2022-09-08T17:54:54.410"/>
+    <p1510:client id="{DF7D73CC-F40D-3B47-958A-E8CC0BCCDBF4}" v="23" dt="2022-09-13T19:49:55.317"/>
   </p1510:revLst>
 </p1510:revInfo>
+</file>
+
+<file path=ppt/changesInfos/changesInfo1.xml><?xml version="1.0" encoding="utf-8"?>
+<pc:chgInfo xmlns:a="http://schemas.openxmlformats.org/drawingml/2006/main" xmlns:r="http://schemas.openxmlformats.org/officeDocument/2006/relationships" xmlns:ac="http://schemas.microsoft.com/office/drawing/2013/main/command" xmlns:pc="http://schemas.microsoft.com/office/powerpoint/2013/main/command">
+  <pc:docChgLst>
+    <pc:chgData name="Arif, Shehbeel" userId="160a60b0-6046-4acf-9241-ec9365a97eae" providerId="ADAL" clId="{DF7D73CC-F40D-3B47-958A-E8CC0BCCDBF4}"/>
+    <pc:docChg chg="undo custSel addSld modSld sldOrd">
+      <pc:chgData name="Arif, Shehbeel" userId="160a60b0-6046-4acf-9241-ec9365a97eae" providerId="ADAL" clId="{DF7D73CC-F40D-3B47-958A-E8CC0BCCDBF4}" dt="2022-09-13T19:50:15.561" v="106" actId="14100"/>
+      <pc:docMkLst>
+        <pc:docMk/>
+      </pc:docMkLst>
+      <pc:sldChg chg="modSp mod">
+        <pc:chgData name="Arif, Shehbeel" userId="160a60b0-6046-4acf-9241-ec9365a97eae" providerId="ADAL" clId="{DF7D73CC-F40D-3B47-958A-E8CC0BCCDBF4}" dt="2022-09-13T19:48:46.067" v="96" actId="20577"/>
+        <pc:sldMkLst>
+          <pc:docMk/>
+          <pc:sldMk cId="4213198075" sldId="274"/>
+        </pc:sldMkLst>
+        <pc:spChg chg="mod">
+          <ac:chgData name="Arif, Shehbeel" userId="160a60b0-6046-4acf-9241-ec9365a97eae" providerId="ADAL" clId="{DF7D73CC-F40D-3B47-958A-E8CC0BCCDBF4}" dt="2022-09-13T19:48:46.067" v="96" actId="20577"/>
+          <ac:spMkLst>
+            <pc:docMk/>
+            <pc:sldMk cId="4213198075" sldId="274"/>
+            <ac:spMk id="2" creationId="{9D30720D-3F1F-080B-BC93-CE3DA4CA4B12}"/>
+          </ac:spMkLst>
+        </pc:spChg>
+      </pc:sldChg>
+      <pc:sldChg chg="addSp delSp modSp add mod">
+        <pc:chgData name="Arif, Shehbeel" userId="160a60b0-6046-4acf-9241-ec9365a97eae" providerId="ADAL" clId="{DF7D73CC-F40D-3B47-958A-E8CC0BCCDBF4}" dt="2022-09-13T19:50:15.561" v="106" actId="14100"/>
+        <pc:sldMkLst>
+          <pc:docMk/>
+          <pc:sldMk cId="1862613751" sldId="277"/>
+        </pc:sldMkLst>
+        <pc:spChg chg="mod">
+          <ac:chgData name="Arif, Shehbeel" userId="160a60b0-6046-4acf-9241-ec9365a97eae" providerId="ADAL" clId="{DF7D73CC-F40D-3B47-958A-E8CC0BCCDBF4}" dt="2022-09-13T19:48:08.171" v="84" actId="20577"/>
+          <ac:spMkLst>
+            <pc:docMk/>
+            <pc:sldMk cId="1862613751" sldId="277"/>
+            <ac:spMk id="2" creationId="{9D30720D-3F1F-080B-BC93-CE3DA4CA4B12}"/>
+          </ac:spMkLst>
+        </pc:spChg>
+        <pc:picChg chg="del">
+          <ac:chgData name="Arif, Shehbeel" userId="160a60b0-6046-4acf-9241-ec9365a97eae" providerId="ADAL" clId="{DF7D73CC-F40D-3B47-958A-E8CC0BCCDBF4}" dt="2022-09-13T18:22:32.567" v="46" actId="478"/>
+          <ac:picMkLst>
+            <pc:docMk/>
+            <pc:sldMk cId="1862613751" sldId="277"/>
+            <ac:picMk id="4" creationId="{6E01A49D-D4DF-FE04-E1EC-54D468E8365D}"/>
+          </ac:picMkLst>
+        </pc:picChg>
+        <pc:picChg chg="add del mod">
+          <ac:chgData name="Arif, Shehbeel" userId="160a60b0-6046-4acf-9241-ec9365a97eae" providerId="ADAL" clId="{DF7D73CC-F40D-3B47-958A-E8CC0BCCDBF4}" dt="2022-09-13T19:48:26.206" v="89" actId="478"/>
+          <ac:picMkLst>
+            <pc:docMk/>
+            <pc:sldMk cId="1862613751" sldId="277"/>
+            <ac:picMk id="5" creationId="{E8FF7056-79CB-AB2D-B89A-08B4AE5EBB44}"/>
+          </ac:picMkLst>
+        </pc:picChg>
+        <pc:picChg chg="del">
+          <ac:chgData name="Arif, Shehbeel" userId="160a60b0-6046-4acf-9241-ec9365a97eae" providerId="ADAL" clId="{DF7D73CC-F40D-3B47-958A-E8CC0BCCDBF4}" dt="2022-09-13T18:22:35.974" v="48" actId="478"/>
+          <ac:picMkLst>
+            <pc:docMk/>
+            <pc:sldMk cId="1862613751" sldId="277"/>
+            <ac:picMk id="6" creationId="{96C09C76-B07F-A626-60D2-4D61DDC77280}"/>
+          </ac:picMkLst>
+        </pc:picChg>
+        <pc:picChg chg="add del mod">
+          <ac:chgData name="Arif, Shehbeel" userId="160a60b0-6046-4acf-9241-ec9365a97eae" providerId="ADAL" clId="{DF7D73CC-F40D-3B47-958A-E8CC0BCCDBF4}" dt="2022-09-13T19:50:02.140" v="102" actId="478"/>
+          <ac:picMkLst>
+            <pc:docMk/>
+            <pc:sldMk cId="1862613751" sldId="277"/>
+            <ac:picMk id="8" creationId="{0D45C2D6-F63A-4B1F-2994-E31A947BC411}"/>
+          </ac:picMkLst>
+        </pc:picChg>
+        <pc:picChg chg="add mod">
+          <ac:chgData name="Arif, Shehbeel" userId="160a60b0-6046-4acf-9241-ec9365a97eae" providerId="ADAL" clId="{DF7D73CC-F40D-3B47-958A-E8CC0BCCDBF4}" dt="2022-09-13T19:48:23.864" v="88" actId="14100"/>
+          <ac:picMkLst>
+            <pc:docMk/>
+            <pc:sldMk cId="1862613751" sldId="277"/>
+            <ac:picMk id="10" creationId="{19E85F11-6AA4-F53C-24D1-40C6651EA8AD}"/>
+          </ac:picMkLst>
+        </pc:picChg>
+        <pc:picChg chg="add mod">
+          <ac:chgData name="Arif, Shehbeel" userId="160a60b0-6046-4acf-9241-ec9365a97eae" providerId="ADAL" clId="{DF7D73CC-F40D-3B47-958A-E8CC0BCCDBF4}" dt="2022-09-13T19:50:15.561" v="106" actId="14100"/>
+          <ac:picMkLst>
+            <pc:docMk/>
+            <pc:sldMk cId="1862613751" sldId="277"/>
+            <ac:picMk id="12" creationId="{7EA566B6-2F5F-99D7-AA7A-2813B45636FB}"/>
+          </ac:picMkLst>
+        </pc:picChg>
+      </pc:sldChg>
+      <pc:sldChg chg="modSp add mod ord">
+        <pc:chgData name="Arif, Shehbeel" userId="160a60b0-6046-4acf-9241-ec9365a97eae" providerId="ADAL" clId="{DF7D73CC-F40D-3B47-958A-E8CC0BCCDBF4}" dt="2022-09-13T19:47:58.941" v="74" actId="20577"/>
+        <pc:sldMkLst>
+          <pc:docMk/>
+          <pc:sldMk cId="2568562745" sldId="278"/>
+        </pc:sldMkLst>
+        <pc:spChg chg="mod">
+          <ac:chgData name="Arif, Shehbeel" userId="160a60b0-6046-4acf-9241-ec9365a97eae" providerId="ADAL" clId="{DF7D73CC-F40D-3B47-958A-E8CC0BCCDBF4}" dt="2022-09-13T19:47:58.941" v="74" actId="20577"/>
+          <ac:spMkLst>
+            <pc:docMk/>
+            <pc:sldMk cId="2568562745" sldId="278"/>
+            <ac:spMk id="2" creationId="{9D30720D-3F1F-080B-BC93-CE3DA4CA4B12}"/>
+          </ac:spMkLst>
+        </pc:spChg>
+      </pc:sldChg>
+    </pc:docChg>
+  </pc:docChgLst>
+</pc:chgInfo>
 </file>
 
 <file path=ppt/slideLayouts/slideLayout1.xml><?xml version="1.0" encoding="utf-8"?>
@@ -282,7 +396,7 @@
           <a:p>
             <a:fld id="{0EA5A1A0-85A0-334F-B69F-62BDAAA4EAE0}" type="datetimeFigureOut">
               <a:rPr lang="en-US" smtClean="0"/>
-              <a:t>9/8/22</a:t>
+              <a:t>9/13/22</a:t>
             </a:fld>
             <a:endParaRPr lang="en-US"/>
           </a:p>
@@ -480,7 +594,7 @@
           <a:p>
             <a:fld id="{0EA5A1A0-85A0-334F-B69F-62BDAAA4EAE0}" type="datetimeFigureOut">
               <a:rPr lang="en-US" smtClean="0"/>
-              <a:t>9/8/22</a:t>
+              <a:t>9/13/22</a:t>
             </a:fld>
             <a:endParaRPr lang="en-US"/>
           </a:p>
@@ -688,7 +802,7 @@
           <a:p>
             <a:fld id="{0EA5A1A0-85A0-334F-B69F-62BDAAA4EAE0}" type="datetimeFigureOut">
               <a:rPr lang="en-US" smtClean="0"/>
-              <a:t>9/8/22</a:t>
+              <a:t>9/13/22</a:t>
             </a:fld>
             <a:endParaRPr lang="en-US"/>
           </a:p>
@@ -886,7 +1000,7 @@
           <a:p>
             <a:fld id="{0EA5A1A0-85A0-334F-B69F-62BDAAA4EAE0}" type="datetimeFigureOut">
               <a:rPr lang="en-US" smtClean="0"/>
-              <a:t>9/8/22</a:t>
+              <a:t>9/13/22</a:t>
             </a:fld>
             <a:endParaRPr lang="en-US"/>
           </a:p>
@@ -1161,7 +1275,7 @@
           <a:p>
             <a:fld id="{0EA5A1A0-85A0-334F-B69F-62BDAAA4EAE0}" type="datetimeFigureOut">
               <a:rPr lang="en-US" smtClean="0"/>
-              <a:t>9/8/22</a:t>
+              <a:t>9/13/22</a:t>
             </a:fld>
             <a:endParaRPr lang="en-US"/>
           </a:p>
@@ -1426,7 +1540,7 @@
           <a:p>
             <a:fld id="{0EA5A1A0-85A0-334F-B69F-62BDAAA4EAE0}" type="datetimeFigureOut">
               <a:rPr lang="en-US" smtClean="0"/>
-              <a:t>9/8/22</a:t>
+              <a:t>9/13/22</a:t>
             </a:fld>
             <a:endParaRPr lang="en-US"/>
           </a:p>
@@ -1838,7 +1952,7 @@
           <a:p>
             <a:fld id="{0EA5A1A0-85A0-334F-B69F-62BDAAA4EAE0}" type="datetimeFigureOut">
               <a:rPr lang="en-US" smtClean="0"/>
-              <a:t>9/8/22</a:t>
+              <a:t>9/13/22</a:t>
             </a:fld>
             <a:endParaRPr lang="en-US"/>
           </a:p>
@@ -1979,7 +2093,7 @@
           <a:p>
             <a:fld id="{0EA5A1A0-85A0-334F-B69F-62BDAAA4EAE0}" type="datetimeFigureOut">
               <a:rPr lang="en-US" smtClean="0"/>
-              <a:t>9/8/22</a:t>
+              <a:t>9/13/22</a:t>
             </a:fld>
             <a:endParaRPr lang="en-US"/>
           </a:p>
@@ -2092,7 +2206,7 @@
           <a:p>
             <a:fld id="{0EA5A1A0-85A0-334F-B69F-62BDAAA4EAE0}" type="datetimeFigureOut">
               <a:rPr lang="en-US" smtClean="0"/>
-              <a:t>9/8/22</a:t>
+              <a:t>9/13/22</a:t>
             </a:fld>
             <a:endParaRPr lang="en-US"/>
           </a:p>
@@ -2403,7 +2517,7 @@
           <a:p>
             <a:fld id="{0EA5A1A0-85A0-334F-B69F-62BDAAA4EAE0}" type="datetimeFigureOut">
               <a:rPr lang="en-US" smtClean="0"/>
-              <a:t>9/8/22</a:t>
+              <a:t>9/13/22</a:t>
             </a:fld>
             <a:endParaRPr lang="en-US"/>
           </a:p>
@@ -2691,7 +2805,7 @@
           <a:p>
             <a:fld id="{0EA5A1A0-85A0-334F-B69F-62BDAAA4EAE0}" type="datetimeFigureOut">
               <a:rPr lang="en-US" smtClean="0"/>
-              <a:t>9/8/22</a:t>
+              <a:t>9/13/22</a:t>
             </a:fld>
             <a:endParaRPr lang="en-US"/>
           </a:p>
@@ -2932,7 +3046,7 @@
           <a:p>
             <a:fld id="{0EA5A1A0-85A0-334F-B69F-62BDAAA4EAE0}" type="datetimeFigureOut">
               <a:rPr lang="en-US" smtClean="0"/>
-              <a:t>9/8/22</a:t>
+              <a:t>9/13/22</a:t>
             </a:fld>
             <a:endParaRPr lang="en-US"/>
           </a:p>
@@ -4253,7 +4367,7 @@
           <a:p>
             <a:r>
               <a:rPr lang="en-US" dirty="0"/>
-              <a:t>How good are these genes for histology classification?</a:t>
+              <a:t>How good are these genes for relapse classification?</a:t>
             </a:r>
           </a:p>
         </p:txBody>
@@ -4473,6 +4587,367 @@
           <p:cNvPr id="2" name="Title 1">
             <a:extLst>
               <a:ext uri="{FF2B5EF4-FFF2-40B4-BE49-F238E27FC236}">
+                <a16:creationId xmlns:a16="http://schemas.microsoft.com/office/drawing/2014/main" id="{9D30720D-3F1F-080B-BC93-CE3DA4CA4B12}"/>
+              </a:ext>
+            </a:extLst>
+          </p:cNvPr>
+          <p:cNvSpPr>
+            <a:spLocks noGrp="1"/>
+          </p:cNvSpPr>
+          <p:nvPr>
+            <p:ph type="title"/>
+          </p:nvPr>
+        </p:nvSpPr>
+        <p:spPr/>
+        <p:txBody>
+          <a:bodyPr>
+            <a:normAutofit/>
+          </a:bodyPr>
+          <a:lstStyle/>
+          <a:p>
+            <a:r>
+              <a:rPr lang="en-US" dirty="0"/>
+              <a:t>Relapse Clustering Using Dip Test Genes from Shiny App</a:t>
+            </a:r>
+          </a:p>
+        </p:txBody>
+      </p:sp>
+      <p:pic>
+        <p:nvPicPr>
+          <p:cNvPr id="5" name="Picture 4" descr="Chart, scatter chart&#10;&#10;Description automatically generated">
+            <a:extLst>
+              <a:ext uri="{FF2B5EF4-FFF2-40B4-BE49-F238E27FC236}">
+                <a16:creationId xmlns:a16="http://schemas.microsoft.com/office/drawing/2014/main" id="{E8FF7056-79CB-AB2D-B89A-08B4AE5EBB44}"/>
+              </a:ext>
+            </a:extLst>
+          </p:cNvPr>
+          <p:cNvPicPr>
+            <a:picLocks noChangeAspect="1"/>
+          </p:cNvPicPr>
+          <p:nvPr/>
+        </p:nvPicPr>
+        <p:blipFill>
+          <a:blip r:embed="rId2"/>
+          <a:stretch>
+            <a:fillRect/>
+          </a:stretch>
+        </p:blipFill>
+        <p:spPr>
+          <a:xfrm>
+            <a:off x="0" y="2304792"/>
+            <a:ext cx="8182437" cy="4043393"/>
+          </a:xfrm>
+          <a:prstGeom prst="rect">
+            <a:avLst/>
+          </a:prstGeom>
+        </p:spPr>
+      </p:pic>
+      <p:pic>
+        <p:nvPicPr>
+          <p:cNvPr id="8" name="Picture 7" descr="Chart, scatter chart&#10;&#10;Description automatically generated">
+            <a:extLst>
+              <a:ext uri="{FF2B5EF4-FFF2-40B4-BE49-F238E27FC236}">
+                <a16:creationId xmlns:a16="http://schemas.microsoft.com/office/drawing/2014/main" id="{0D45C2D6-F63A-4B1F-2994-E31A947BC411}"/>
+              </a:ext>
+            </a:extLst>
+          </p:cNvPr>
+          <p:cNvPicPr>
+            <a:picLocks noChangeAspect="1"/>
+          </p:cNvPicPr>
+          <p:nvPr/>
+        </p:nvPicPr>
+        <p:blipFill>
+          <a:blip r:embed="rId3"/>
+          <a:stretch>
+            <a:fillRect/>
+          </a:stretch>
+        </p:blipFill>
+        <p:spPr>
+          <a:xfrm>
+            <a:off x="7977100" y="3163823"/>
+            <a:ext cx="4214899" cy="3184361"/>
+          </a:xfrm>
+          <a:prstGeom prst="rect">
+            <a:avLst/>
+          </a:prstGeom>
+        </p:spPr>
+      </p:pic>
+    </p:spTree>
+    <p:extLst>
+      <p:ext uri="{BB962C8B-B14F-4D97-AF65-F5344CB8AC3E}">
+        <p14:creationId xmlns:p14="http://schemas.microsoft.com/office/powerpoint/2010/main" val="2568562745"/>
+      </p:ext>
+    </p:extLst>
+  </p:cSld>
+  <p:clrMapOvr>
+    <a:masterClrMapping/>
+  </p:clrMapOvr>
+</p:sld>
+</file>
+
+<file path=ppt/slides/slide19.xml><?xml version="1.0" encoding="utf-8"?>
+<p:sld xmlns:a="http://schemas.openxmlformats.org/drawingml/2006/main" xmlns:r="http://schemas.openxmlformats.org/officeDocument/2006/relationships" xmlns:p="http://schemas.openxmlformats.org/presentationml/2006/main">
+  <p:cSld>
+    <p:spTree>
+      <p:nvGrpSpPr>
+        <p:cNvPr id="1" name=""/>
+        <p:cNvGrpSpPr/>
+        <p:nvPr/>
+      </p:nvGrpSpPr>
+      <p:grpSpPr>
+        <a:xfrm>
+          <a:off x="0" y="0"/>
+          <a:ext cx="0" cy="0"/>
+          <a:chOff x="0" y="0"/>
+          <a:chExt cx="0" cy="0"/>
+        </a:xfrm>
+      </p:grpSpPr>
+      <p:sp>
+        <p:nvSpPr>
+          <p:cNvPr id="2" name="Title 1">
+            <a:extLst>
+              <a:ext uri="{FF2B5EF4-FFF2-40B4-BE49-F238E27FC236}">
+                <a16:creationId xmlns:a16="http://schemas.microsoft.com/office/drawing/2014/main" id="{9D30720D-3F1F-080B-BC93-CE3DA4CA4B12}"/>
+              </a:ext>
+            </a:extLst>
+          </p:cNvPr>
+          <p:cNvSpPr>
+            <a:spLocks noGrp="1"/>
+          </p:cNvSpPr>
+          <p:nvPr>
+            <p:ph type="title"/>
+          </p:nvPr>
+        </p:nvSpPr>
+        <p:spPr/>
+        <p:txBody>
+          <a:bodyPr>
+            <a:normAutofit/>
+          </a:bodyPr>
+          <a:lstStyle/>
+          <a:p>
+            <a:r>
+              <a:rPr lang="en-US" dirty="0"/>
+              <a:t>Histology Clustering Using Dip Test Genes from Shiny App</a:t>
+            </a:r>
+          </a:p>
+        </p:txBody>
+      </p:sp>
+      <p:pic>
+        <p:nvPicPr>
+          <p:cNvPr id="10" name="Picture 9" descr="Chart, scatter chart&#10;&#10;Description automatically generated">
+            <a:extLst>
+              <a:ext uri="{FF2B5EF4-FFF2-40B4-BE49-F238E27FC236}">
+                <a16:creationId xmlns:a16="http://schemas.microsoft.com/office/drawing/2014/main" id="{19E85F11-6AA4-F53C-24D1-40C6651EA8AD}"/>
+              </a:ext>
+            </a:extLst>
+          </p:cNvPr>
+          <p:cNvPicPr>
+            <a:picLocks noChangeAspect="1"/>
+          </p:cNvPicPr>
+          <p:nvPr/>
+        </p:nvPicPr>
+        <p:blipFill>
+          <a:blip r:embed="rId2"/>
+          <a:stretch>
+            <a:fillRect/>
+          </a:stretch>
+        </p:blipFill>
+        <p:spPr>
+          <a:xfrm>
+            <a:off x="152400" y="2502518"/>
+            <a:ext cx="7824700" cy="3853832"/>
+          </a:xfrm>
+          <a:prstGeom prst="rect">
+            <a:avLst/>
+          </a:prstGeom>
+        </p:spPr>
+      </p:pic>
+      <p:pic>
+        <p:nvPicPr>
+          <p:cNvPr id="12" name="Picture 11" descr="Chart, scatter chart&#10;&#10;Description automatically generated">
+            <a:extLst>
+              <a:ext uri="{FF2B5EF4-FFF2-40B4-BE49-F238E27FC236}">
+                <a16:creationId xmlns:a16="http://schemas.microsoft.com/office/drawing/2014/main" id="{7EA566B6-2F5F-99D7-AA7A-2813B45636FB}"/>
+              </a:ext>
+            </a:extLst>
+          </p:cNvPr>
+          <p:cNvPicPr>
+            <a:picLocks noChangeAspect="1"/>
+          </p:cNvPicPr>
+          <p:nvPr/>
+        </p:nvPicPr>
+        <p:blipFill>
+          <a:blip r:embed="rId3"/>
+          <a:stretch>
+            <a:fillRect/>
+          </a:stretch>
+        </p:blipFill>
+        <p:spPr>
+          <a:xfrm>
+            <a:off x="7977100" y="2582557"/>
+            <a:ext cx="4062500" cy="3773794"/>
+          </a:xfrm>
+          <a:prstGeom prst="rect">
+            <a:avLst/>
+          </a:prstGeom>
+        </p:spPr>
+      </p:pic>
+    </p:spTree>
+    <p:extLst>
+      <p:ext uri="{BB962C8B-B14F-4D97-AF65-F5344CB8AC3E}">
+        <p14:creationId xmlns:p14="http://schemas.microsoft.com/office/powerpoint/2010/main" val="1862613751"/>
+      </p:ext>
+    </p:extLst>
+  </p:cSld>
+  <p:clrMapOvr>
+    <a:masterClrMapping/>
+  </p:clrMapOvr>
+</p:sld>
+</file>
+
+<file path=ppt/slides/slide2.xml><?xml version="1.0" encoding="utf-8"?>
+<p:sld xmlns:a="http://schemas.openxmlformats.org/drawingml/2006/main" xmlns:r="http://schemas.openxmlformats.org/officeDocument/2006/relationships" xmlns:p="http://schemas.openxmlformats.org/presentationml/2006/main">
+  <p:cSld>
+    <p:spTree>
+      <p:nvGrpSpPr>
+        <p:cNvPr id="1" name=""/>
+        <p:cNvGrpSpPr/>
+        <p:nvPr/>
+      </p:nvGrpSpPr>
+      <p:grpSpPr>
+        <a:xfrm>
+          <a:off x="0" y="0"/>
+          <a:ext cx="0" cy="0"/>
+          <a:chOff x="0" y="0"/>
+          <a:chExt cx="0" cy="0"/>
+        </a:xfrm>
+      </p:grpSpPr>
+      <p:sp>
+        <p:nvSpPr>
+          <p:cNvPr id="2" name="Title 1">
+            <a:extLst>
+              <a:ext uri="{FF2B5EF4-FFF2-40B4-BE49-F238E27FC236}">
+                <a16:creationId xmlns:a16="http://schemas.microsoft.com/office/drawing/2014/main" id="{207A8A3F-E546-82B1-447D-1A9BC83A8C13}"/>
+              </a:ext>
+            </a:extLst>
+          </p:cNvPr>
+          <p:cNvSpPr>
+            <a:spLocks noGrp="1"/>
+          </p:cNvSpPr>
+          <p:nvPr>
+            <p:ph type="title"/>
+          </p:nvPr>
+        </p:nvSpPr>
+        <p:spPr/>
+        <p:txBody>
+          <a:bodyPr/>
+          <a:lstStyle/>
+          <a:p>
+            <a:r>
+              <a:rPr lang="en-US" dirty="0"/>
+              <a:t>Objectives</a:t>
+            </a:r>
+          </a:p>
+        </p:txBody>
+      </p:sp>
+      <p:sp>
+        <p:nvSpPr>
+          <p:cNvPr id="3" name="Content Placeholder 2">
+            <a:extLst>
+              <a:ext uri="{FF2B5EF4-FFF2-40B4-BE49-F238E27FC236}">
+                <a16:creationId xmlns:a16="http://schemas.microsoft.com/office/drawing/2014/main" id="{C492EF6C-FDED-A016-BEA1-D9384DE709F4}"/>
+              </a:ext>
+            </a:extLst>
+          </p:cNvPr>
+          <p:cNvSpPr>
+            <a:spLocks noGrp="1"/>
+          </p:cNvSpPr>
+          <p:nvPr>
+            <p:ph idx="1"/>
+          </p:nvPr>
+        </p:nvSpPr>
+        <p:spPr/>
+        <p:txBody>
+          <a:bodyPr/>
+          <a:lstStyle/>
+          <a:p>
+            <a:r>
+              <a:rPr lang="en-US" dirty="0"/>
+              <a:t>Visualize the data using UMAP</a:t>
+            </a:r>
+          </a:p>
+          <a:p>
+            <a:r>
+              <a:rPr lang="en-US" dirty="0"/>
+              <a:t>Build a machine learning model to predict whether</a:t>
+            </a:r>
+          </a:p>
+          <a:p>
+            <a:pPr lvl="1"/>
+            <a:r>
+              <a:rPr lang="en-US" dirty="0"/>
+              <a:t>Brain tumor sample is LGG or HGG</a:t>
+            </a:r>
+          </a:p>
+          <a:p>
+            <a:pPr lvl="1"/>
+            <a:r>
+              <a:rPr lang="en-US" dirty="0"/>
+              <a:t>Patient will have relapse or not</a:t>
+            </a:r>
+          </a:p>
+          <a:p>
+            <a:r>
+              <a:rPr lang="en-US" dirty="0"/>
+              <a:t>Get a list of miRNA gene biomarkers</a:t>
+            </a:r>
+          </a:p>
+          <a:p>
+            <a:r>
+              <a:rPr lang="en-US" dirty="0"/>
+              <a:t>Test the effectiveness of miRNA biomarker genes by clustering</a:t>
+            </a:r>
+          </a:p>
+          <a:p>
+            <a:endParaRPr lang="en-US" dirty="0"/>
+          </a:p>
+        </p:txBody>
+      </p:sp>
+    </p:spTree>
+    <p:extLst>
+      <p:ext uri="{BB962C8B-B14F-4D97-AF65-F5344CB8AC3E}">
+        <p14:creationId xmlns:p14="http://schemas.microsoft.com/office/powerpoint/2010/main" val="3463645288"/>
+      </p:ext>
+    </p:extLst>
+  </p:cSld>
+  <p:clrMapOvr>
+    <a:masterClrMapping/>
+  </p:clrMapOvr>
+</p:sld>
+</file>
+
+<file path=ppt/slides/slide20.xml><?xml version="1.0" encoding="utf-8"?>
+<p:sld xmlns:a="http://schemas.openxmlformats.org/drawingml/2006/main" xmlns:r="http://schemas.openxmlformats.org/officeDocument/2006/relationships" xmlns:p="http://schemas.openxmlformats.org/presentationml/2006/main">
+  <p:cSld>
+    <p:spTree>
+      <p:nvGrpSpPr>
+        <p:cNvPr id="1" name=""/>
+        <p:cNvGrpSpPr/>
+        <p:nvPr/>
+      </p:nvGrpSpPr>
+      <p:grpSpPr>
+        <a:xfrm>
+          <a:off x="0" y="0"/>
+          <a:ext cx="0" cy="0"/>
+          <a:chOff x="0" y="0"/>
+          <a:chExt cx="0" cy="0"/>
+        </a:xfrm>
+      </p:grpSpPr>
+      <p:sp>
+        <p:nvSpPr>
+          <p:cNvPr id="2" name="Title 1">
+            <a:extLst>
+              <a:ext uri="{FF2B5EF4-FFF2-40B4-BE49-F238E27FC236}">
                 <a16:creationId xmlns:a16="http://schemas.microsoft.com/office/drawing/2014/main" id="{2A0B4A59-A314-E8F6-768C-6585A3A6D150}"/>
               </a:ext>
             </a:extLst>
@@ -4637,7 +5112,7 @@
 </p:sld>
 </file>
 
-<file path=ppt/slides/slide19.xml><?xml version="1.0" encoding="utf-8"?>
+<file path=ppt/slides/slide21.xml><?xml version="1.0" encoding="utf-8"?>
 <p:sld xmlns:a="http://schemas.openxmlformats.org/drawingml/2006/main" xmlns:r="http://schemas.openxmlformats.org/officeDocument/2006/relationships" xmlns:p="http://schemas.openxmlformats.org/presentationml/2006/main">
   <p:cSld>
     <p:spTree>
@@ -4761,128 +5236,7 @@
 </p:sld>
 </file>
 
-<file path=ppt/slides/slide2.xml><?xml version="1.0" encoding="utf-8"?>
-<p:sld xmlns:a="http://schemas.openxmlformats.org/drawingml/2006/main" xmlns:r="http://schemas.openxmlformats.org/officeDocument/2006/relationships" xmlns:p="http://schemas.openxmlformats.org/presentationml/2006/main">
-  <p:cSld>
-    <p:spTree>
-      <p:nvGrpSpPr>
-        <p:cNvPr id="1" name=""/>
-        <p:cNvGrpSpPr/>
-        <p:nvPr/>
-      </p:nvGrpSpPr>
-      <p:grpSpPr>
-        <a:xfrm>
-          <a:off x="0" y="0"/>
-          <a:ext cx="0" cy="0"/>
-          <a:chOff x="0" y="0"/>
-          <a:chExt cx="0" cy="0"/>
-        </a:xfrm>
-      </p:grpSpPr>
-      <p:sp>
-        <p:nvSpPr>
-          <p:cNvPr id="2" name="Title 1">
-            <a:extLst>
-              <a:ext uri="{FF2B5EF4-FFF2-40B4-BE49-F238E27FC236}">
-                <a16:creationId xmlns:a16="http://schemas.microsoft.com/office/drawing/2014/main" id="{207A8A3F-E546-82B1-447D-1A9BC83A8C13}"/>
-              </a:ext>
-            </a:extLst>
-          </p:cNvPr>
-          <p:cNvSpPr>
-            <a:spLocks noGrp="1"/>
-          </p:cNvSpPr>
-          <p:nvPr>
-            <p:ph type="title"/>
-          </p:nvPr>
-        </p:nvSpPr>
-        <p:spPr/>
-        <p:txBody>
-          <a:bodyPr/>
-          <a:lstStyle/>
-          <a:p>
-            <a:r>
-              <a:rPr lang="en-US" dirty="0"/>
-              <a:t>Objectives</a:t>
-            </a:r>
-          </a:p>
-        </p:txBody>
-      </p:sp>
-      <p:sp>
-        <p:nvSpPr>
-          <p:cNvPr id="3" name="Content Placeholder 2">
-            <a:extLst>
-              <a:ext uri="{FF2B5EF4-FFF2-40B4-BE49-F238E27FC236}">
-                <a16:creationId xmlns:a16="http://schemas.microsoft.com/office/drawing/2014/main" id="{C492EF6C-FDED-A016-BEA1-D9384DE709F4}"/>
-              </a:ext>
-            </a:extLst>
-          </p:cNvPr>
-          <p:cNvSpPr>
-            <a:spLocks noGrp="1"/>
-          </p:cNvSpPr>
-          <p:nvPr>
-            <p:ph idx="1"/>
-          </p:nvPr>
-        </p:nvSpPr>
-        <p:spPr/>
-        <p:txBody>
-          <a:bodyPr/>
-          <a:lstStyle/>
-          <a:p>
-            <a:r>
-              <a:rPr lang="en-US" dirty="0"/>
-              <a:t>Visualize the data using UMAP</a:t>
-            </a:r>
-          </a:p>
-          <a:p>
-            <a:r>
-              <a:rPr lang="en-US" dirty="0"/>
-              <a:t>Build a machine learning model to predict whether</a:t>
-            </a:r>
-          </a:p>
-          <a:p>
-            <a:pPr lvl="1"/>
-            <a:r>
-              <a:rPr lang="en-US" dirty="0"/>
-              <a:t>Brain tumor sample is LGG or HGG</a:t>
-            </a:r>
-          </a:p>
-          <a:p>
-            <a:pPr lvl="1"/>
-            <a:r>
-              <a:rPr lang="en-US" dirty="0"/>
-              <a:t>Patient will have relapse or not</a:t>
-            </a:r>
-          </a:p>
-          <a:p>
-            <a:r>
-              <a:rPr lang="en-US" dirty="0"/>
-              <a:t>Get a list of miRNA gene biomarkers</a:t>
-            </a:r>
-          </a:p>
-          <a:p>
-            <a:r>
-              <a:rPr lang="en-US" dirty="0"/>
-              <a:t>Test the effectiveness of miRNA biomarker genes by clustering</a:t>
-            </a:r>
-          </a:p>
-          <a:p>
-            <a:endParaRPr lang="en-US" dirty="0"/>
-          </a:p>
-        </p:txBody>
-      </p:sp>
-    </p:spTree>
-    <p:extLst>
-      <p:ext uri="{BB962C8B-B14F-4D97-AF65-F5344CB8AC3E}">
-        <p14:creationId xmlns:p14="http://schemas.microsoft.com/office/powerpoint/2010/main" val="3463645288"/>
-      </p:ext>
-    </p:extLst>
-  </p:cSld>
-  <p:clrMapOvr>
-    <a:masterClrMapping/>
-  </p:clrMapOvr>
-</p:sld>
-</file>
-
-<file path=ppt/slides/slide20.xml><?xml version="1.0" encoding="utf-8"?>
+<file path=ppt/slides/slide22.xml><?xml version="1.0" encoding="utf-8"?>
 <p:sld xmlns:a="http://schemas.openxmlformats.org/drawingml/2006/main" xmlns:r="http://schemas.openxmlformats.org/officeDocument/2006/relationships" xmlns:p="http://schemas.openxmlformats.org/presentationml/2006/main">
   <p:cSld>
     <p:spTree>
@@ -4973,7 +5327,7 @@
 </p:sld>
 </file>
 
-<file path=ppt/slides/slide21.xml><?xml version="1.0" encoding="utf-8"?>
+<file path=ppt/slides/slide23.xml><?xml version="1.0" encoding="utf-8"?>
 <p:sld xmlns:a="http://schemas.openxmlformats.org/drawingml/2006/main" xmlns:r="http://schemas.openxmlformats.org/officeDocument/2006/relationships" xmlns:p="http://schemas.openxmlformats.org/presentationml/2006/main">
   <p:cSld>
     <p:spTree>
